--- a/CS-4414_Lin/p1-kernel/p1 exp6/p1 exp6 note-1.pptx
+++ b/CS-4414_Lin/p1-kernel/p1 exp6/p1 exp6 note-1.pptx
@@ -2,15 +2,15 @@
 <file path=ppt/presentation.xml><?xml version="1.0" encoding="utf-8"?>
 <p:presentation xmlns:a="http://schemas.openxmlformats.org/drawingml/2006/main" xmlns:r="http://schemas.openxmlformats.org/officeDocument/2006/relationships" xmlns:p="http://schemas.openxmlformats.org/presentationml/2006/main" saveSubsetFonts="1">
   <p:sldMasterIdLst>
-    <p:sldMasterId id="2147483648" r:id="rId1"/>
+    <p:sldMasterId id="2147483648" r:id="rId3"/>
   </p:sldMasterIdLst>
   <p:sldIdLst>
-    <p:sldId id="256" r:id="rId2"/>
-    <p:sldId id="258" r:id="rId3"/>
-    <p:sldId id="259" r:id="rId4"/>
-    <p:sldId id="260" r:id="rId5"/>
-    <p:sldId id="257" r:id="rId6"/>
-    <p:sldId id="261" r:id="rId7"/>
+    <p:sldId id="256" r:id="rId4"/>
+    <p:sldId id="258" r:id="rId5"/>
+    <p:sldId id="259" r:id="rId6"/>
+    <p:sldId id="260" r:id="rId7"/>
+    <p:sldId id="257" r:id="rId8"/>
+    <p:sldId id="261" r:id="rId9"/>
   </p:sldIdLst>
   <p:sldSz cx="12192000" cy="6858000"/>
   <p:notesSz cx="6858000" cy="9144000"/>
@@ -264,7 +264,7 @@
           <a:p>
             <a:fld id="{1D61774B-5E7E-48BA-AB7C-3BE9EF1C0278}" type="datetimeFigureOut">
               <a:rPr lang="en-US" smtClean="0"/>
-              <a:t>3/7/2022</a:t>
+              <a:t>3/18/2024</a:t>
             </a:fld>
             <a:endParaRPr lang="en-US"/>
           </a:p>
@@ -462,7 +462,7 @@
           <a:p>
             <a:fld id="{1D61774B-5E7E-48BA-AB7C-3BE9EF1C0278}" type="datetimeFigureOut">
               <a:rPr lang="en-US" smtClean="0"/>
-              <a:t>3/7/2022</a:t>
+              <a:t>3/18/2024</a:t>
             </a:fld>
             <a:endParaRPr lang="en-US"/>
           </a:p>
@@ -670,7 +670,7 @@
           <a:p>
             <a:fld id="{1D61774B-5E7E-48BA-AB7C-3BE9EF1C0278}" type="datetimeFigureOut">
               <a:rPr lang="en-US" smtClean="0"/>
-              <a:t>3/7/2022</a:t>
+              <a:t>3/18/2024</a:t>
             </a:fld>
             <a:endParaRPr lang="en-US"/>
           </a:p>
@@ -868,7 +868,7 @@
           <a:p>
             <a:fld id="{1D61774B-5E7E-48BA-AB7C-3BE9EF1C0278}" type="datetimeFigureOut">
               <a:rPr lang="en-US" smtClean="0"/>
-              <a:t>3/7/2022</a:t>
+              <a:t>3/18/2024</a:t>
             </a:fld>
             <a:endParaRPr lang="en-US"/>
           </a:p>
@@ -1143,7 +1143,7 @@
           <a:p>
             <a:fld id="{1D61774B-5E7E-48BA-AB7C-3BE9EF1C0278}" type="datetimeFigureOut">
               <a:rPr lang="en-US" smtClean="0"/>
-              <a:t>3/7/2022</a:t>
+              <a:t>3/18/2024</a:t>
             </a:fld>
             <a:endParaRPr lang="en-US"/>
           </a:p>
@@ -1408,7 +1408,7 @@
           <a:p>
             <a:fld id="{1D61774B-5E7E-48BA-AB7C-3BE9EF1C0278}" type="datetimeFigureOut">
               <a:rPr lang="en-US" smtClean="0"/>
-              <a:t>3/7/2022</a:t>
+              <a:t>3/18/2024</a:t>
             </a:fld>
             <a:endParaRPr lang="en-US"/>
           </a:p>
@@ -1820,7 +1820,7 @@
           <a:p>
             <a:fld id="{1D61774B-5E7E-48BA-AB7C-3BE9EF1C0278}" type="datetimeFigureOut">
               <a:rPr lang="en-US" smtClean="0"/>
-              <a:t>3/7/2022</a:t>
+              <a:t>3/18/2024</a:t>
             </a:fld>
             <a:endParaRPr lang="en-US"/>
           </a:p>
@@ -1961,7 +1961,7 @@
           <a:p>
             <a:fld id="{1D61774B-5E7E-48BA-AB7C-3BE9EF1C0278}" type="datetimeFigureOut">
               <a:rPr lang="en-US" smtClean="0"/>
-              <a:t>3/7/2022</a:t>
+              <a:t>3/18/2024</a:t>
             </a:fld>
             <a:endParaRPr lang="en-US"/>
           </a:p>
@@ -2074,7 +2074,7 @@
           <a:p>
             <a:fld id="{1D61774B-5E7E-48BA-AB7C-3BE9EF1C0278}" type="datetimeFigureOut">
               <a:rPr lang="en-US" smtClean="0"/>
-              <a:t>3/7/2022</a:t>
+              <a:t>3/18/2024</a:t>
             </a:fld>
             <a:endParaRPr lang="en-US"/>
           </a:p>
@@ -2385,7 +2385,7 @@
           <a:p>
             <a:fld id="{1D61774B-5E7E-48BA-AB7C-3BE9EF1C0278}" type="datetimeFigureOut">
               <a:rPr lang="en-US" smtClean="0"/>
-              <a:t>3/7/2022</a:t>
+              <a:t>3/18/2024</a:t>
             </a:fld>
             <a:endParaRPr lang="en-US"/>
           </a:p>
@@ -2673,7 +2673,7 @@
           <a:p>
             <a:fld id="{1D61774B-5E7E-48BA-AB7C-3BE9EF1C0278}" type="datetimeFigureOut">
               <a:rPr lang="en-US" smtClean="0"/>
-              <a:t>3/7/2022</a:t>
+              <a:t>3/18/2024</a:t>
             </a:fld>
             <a:endParaRPr lang="en-US"/>
           </a:p>
@@ -2914,7 +2914,7 @@
           <a:p>
             <a:fld id="{1D61774B-5E7E-48BA-AB7C-3BE9EF1C0278}" type="datetimeFigureOut">
               <a:rPr lang="en-US" smtClean="0"/>
-              <a:t>3/7/2022</a:t>
+              <a:t>3/18/2024</a:t>
             </a:fld>
             <a:endParaRPr lang="en-US"/>
           </a:p>
@@ -5509,6 +5509,15 @@
 </file>
 
 <file path=customXml/item1.xml><?xml version="1.0" encoding="utf-8"?>
+<?mso-contentType ?>
+<FormTemplates xmlns="http://schemas.microsoft.com/sharepoint/v3/contenttype/forms">
+  <Display>DocumentLibraryForm</Display>
+  <Edit>DocumentLibraryForm</Edit>
+  <New>DocumentLibraryForm</New>
+</FormTemplates>
+</file>
+
+<file path=customXml/item2.xml><?xml version="1.0" encoding="utf-8"?>
 <ct:contentTypeSchema xmlns:ct="http://schemas.microsoft.com/office/2006/metadata/contentType" xmlns:ma="http://schemas.microsoft.com/office/2006/metadata/properties/metaAttributes" ct:_="" ma:_="" ma:contentTypeName="Document" ma:contentTypeID="0x010100E32DFE953EA8874EAA7084E320242419" ma:contentTypeVersion="11" ma:contentTypeDescription="Create a new document." ma:contentTypeScope="" ma:versionID="afa1870566be8dfbe9bf8a7564b9d62a">
   <xsd:schema xmlns:xsd="http://www.w3.org/2001/XMLSchema" xmlns:xs="http://www.w3.org/2001/XMLSchema" xmlns:p="http://schemas.microsoft.com/office/2006/metadata/properties" xmlns:ns2="a00f6cea-012a-40f0-8f49-b4dac745822f" xmlns:ns3="f578b381-c650-4692-998c-3e579ad92204" targetNamespace="http://schemas.microsoft.com/office/2006/metadata/properties" ma:root="true" ma:fieldsID="834f9915b3e84b4ac9b761a6f8b95587" ns2:_="" ns3:_="">
     <xsd:import namespace="a00f6cea-012a-40f0-8f49-b4dac745822f"/>
@@ -5703,19 +5712,29 @@
 </ct:contentTypeSchema>
 </file>
 
-<file path=customXml/item2.xml><?xml version="1.0" encoding="utf-8"?>
-<?mso-contentType ?>
-<FormTemplates xmlns="http://schemas.microsoft.com/sharepoint/v3/contenttype/forms">
-  <Display>DocumentLibraryForm</Display>
-  <Edit>DocumentLibraryForm</Edit>
-  <New>DocumentLibraryForm</New>
-</FormTemplates>
-</file>
-
 <file path=customXml/itemProps1.xml><?xml version="1.0" encoding="utf-8"?>
-<ds:datastoreItem xmlns:ds="http://schemas.openxmlformats.org/officeDocument/2006/customXml" ds:itemID="{557A234F-0C47-4D4B-BEF2-9DDDAB3E70BB}"/>
+<ds:datastoreItem xmlns:ds="http://schemas.openxmlformats.org/officeDocument/2006/customXml" ds:itemID="{4392EC99-C2B1-4756-935A-2D74ACECB3D0}">
+  <ds:schemaRefs>
+    <ds:schemaRef ds:uri="http://schemas.microsoft.com/sharepoint/v3/contenttype/forms"/>
+  </ds:schemaRefs>
+</ds:datastoreItem>
 </file>
 
 <file path=customXml/itemProps2.xml><?xml version="1.0" encoding="utf-8"?>
-<ds:datastoreItem xmlns:ds="http://schemas.openxmlformats.org/officeDocument/2006/customXml" ds:itemID="{4392EC99-C2B1-4756-935A-2D74ACECB3D0}"/>
+<ds:datastoreItem xmlns:ds="http://schemas.openxmlformats.org/officeDocument/2006/customXml" ds:itemID="{557A234F-0C47-4D4B-BEF2-9DDDAB3E70BB}">
+  <ds:schemaRefs>
+    <ds:schemaRef ds:uri="http://schemas.microsoft.com/office/2006/metadata/contentType"/>
+    <ds:schemaRef ds:uri="http://schemas.microsoft.com/office/2006/metadata/properties/metaAttributes"/>
+    <ds:schemaRef ds:uri="http://www.w3.org/2001/XMLSchema"/>
+    <ds:schemaRef ds:uri="http://schemas.microsoft.com/office/2006/metadata/properties"/>
+    <ds:schemaRef ds:uri="a00f6cea-012a-40f0-8f49-b4dac745822f"/>
+    <ds:schemaRef ds:uri="f578b381-c650-4692-998c-3e579ad92204"/>
+    <ds:schemaRef ds:uri="http://schemas.microsoft.com/office/2006/documentManagement/types"/>
+    <ds:schemaRef ds:uri="http://schemas.microsoft.com/office/infopath/2007/PartnerControls"/>
+    <ds:schemaRef ds:uri="http://schemas.openxmlformats.org/package/2006/metadata/core-properties"/>
+    <ds:schemaRef ds:uri="http://purl.org/dc/elements/1.1/"/>
+    <ds:schemaRef ds:uri="http://purl.org/dc/terms/"/>
+    <ds:schemaRef ds:uri="http://schemas.microsoft.com/internal/obd"/>
+  </ds:schemaRefs>
+</ds:datastoreItem>
 </file>